--- a/docs/MR2.pptx
+++ b/docs/MR2.pptx
@@ -201,7 +201,7 @@
           <a:p>
             <a:fld id="{D0C85FD9-566C-4982-9C2E-F46B57D7177D}" type="datetimeFigureOut">
               <a:rPr lang="de-AT" smtClean="0"/>
-              <a:t>27.05.2014</a:t>
+              <a:t>28.05.2014</a:t>
             </a:fld>
             <a:endParaRPr lang="de-AT"/>
           </a:p>
@@ -1832,7 +1832,7 @@
             <a:fld id="{B61BEF0D-F0BB-DE4B-95CE-6DB70DBA9567}" type="datetimeFigureOut">
               <a:rPr lang="en-US" dirty="0"/>
               <a:pPr/>
-              <a:t>5/27/2014</a:t>
+              <a:t>5/28/2014</a:t>
             </a:fld>
             <a:endParaRPr lang="en-US" dirty="0"/>
           </a:p>
@@ -2125,7 +2125,7 @@
             <a:fld id="{B61BEF0D-F0BB-DE4B-95CE-6DB70DBA9567}" type="datetimeFigureOut">
               <a:rPr lang="en-US" dirty="0"/>
               <a:pPr/>
-              <a:t>5/27/2014</a:t>
+              <a:t>5/28/2014</a:t>
             </a:fld>
             <a:endParaRPr lang="en-US" dirty="0"/>
           </a:p>
@@ -2370,7 +2370,7 @@
             <a:fld id="{B61BEF0D-F0BB-DE4B-95CE-6DB70DBA9567}" type="datetimeFigureOut">
               <a:rPr lang="en-US" dirty="0"/>
               <a:pPr/>
-              <a:t>5/27/2014</a:t>
+              <a:t>5/28/2014</a:t>
             </a:fld>
             <a:endParaRPr lang="en-US" dirty="0"/>
           </a:p>
@@ -2907,7 +2907,7 @@
             <a:fld id="{B61BEF0D-F0BB-DE4B-95CE-6DB70DBA9567}" type="datetimeFigureOut">
               <a:rPr lang="en-US" dirty="0"/>
               <a:pPr/>
-              <a:t>5/27/2014</a:t>
+              <a:t>5/28/2014</a:t>
             </a:fld>
             <a:endParaRPr lang="en-US" dirty="0"/>
           </a:p>
@@ -3152,7 +3152,7 @@
             <a:fld id="{B61BEF0D-F0BB-DE4B-95CE-6DB70DBA9567}" type="datetimeFigureOut">
               <a:rPr lang="en-US" dirty="0"/>
               <a:pPr/>
-              <a:t>5/27/2014</a:t>
+              <a:t>5/28/2014</a:t>
             </a:fld>
             <a:endParaRPr lang="en-US" dirty="0"/>
           </a:p>
@@ -3681,7 +3681,7 @@
             <a:fld id="{B61BEF0D-F0BB-DE4B-95CE-6DB70DBA9567}" type="datetimeFigureOut">
               <a:rPr lang="en-US" dirty="0"/>
               <a:pPr/>
-              <a:t>5/27/2014</a:t>
+              <a:t>5/28/2014</a:t>
             </a:fld>
             <a:endParaRPr lang="en-US" dirty="0"/>
           </a:p>
@@ -3975,7 +3975,7 @@
             <a:fld id="{B61BEF0D-F0BB-DE4B-95CE-6DB70DBA9567}" type="datetimeFigureOut">
               <a:rPr lang="en-US" dirty="0"/>
               <a:pPr/>
-              <a:t>5/27/2014</a:t>
+              <a:t>5/28/2014</a:t>
             </a:fld>
             <a:endParaRPr lang="en-US" dirty="0"/>
           </a:p>
@@ -4146,7 +4146,7 @@
             <a:fld id="{B61BEF0D-F0BB-DE4B-95CE-6DB70DBA9567}" type="datetimeFigureOut">
               <a:rPr lang="en-US" dirty="0"/>
               <a:pPr/>
-              <a:t>5/27/2014</a:t>
+              <a:t>5/28/2014</a:t>
             </a:fld>
             <a:endParaRPr lang="en-US" dirty="0"/>
           </a:p>
@@ -4323,7 +4323,7 @@
             <a:fld id="{B61BEF0D-F0BB-DE4B-95CE-6DB70DBA9567}" type="datetimeFigureOut">
               <a:rPr lang="en-US" dirty="0"/>
               <a:pPr/>
-              <a:t>5/27/2014</a:t>
+              <a:t>5/28/2014</a:t>
             </a:fld>
             <a:endParaRPr lang="en-US" dirty="0"/>
           </a:p>
@@ -4490,7 +4490,7 @@
             <a:fld id="{B61BEF0D-F0BB-DE4B-95CE-6DB70DBA9567}" type="datetimeFigureOut">
               <a:rPr lang="en-US" dirty="0"/>
               <a:pPr/>
-              <a:t>5/27/2014</a:t>
+              <a:t>5/28/2014</a:t>
             </a:fld>
             <a:endParaRPr lang="en-US" dirty="0"/>
           </a:p>
@@ -4738,7 +4738,7 @@
             <a:fld id="{B61BEF0D-F0BB-DE4B-95CE-6DB70DBA9567}" type="datetimeFigureOut">
               <a:rPr lang="en-US" dirty="0"/>
               <a:pPr/>
-              <a:t>5/27/2014</a:t>
+              <a:t>5/28/2014</a:t>
             </a:fld>
             <a:endParaRPr lang="en-US" dirty="0"/>
           </a:p>
@@ -5032,7 +5032,7 @@
             <a:fld id="{B61BEF0D-F0BB-DE4B-95CE-6DB70DBA9567}" type="datetimeFigureOut">
               <a:rPr lang="en-US" dirty="0"/>
               <a:pPr/>
-              <a:t>5/27/2014</a:t>
+              <a:t>5/28/2014</a:t>
             </a:fld>
             <a:endParaRPr lang="en-US" dirty="0"/>
           </a:p>
@@ -5471,7 +5471,7 @@
             <a:fld id="{B61BEF0D-F0BB-DE4B-95CE-6DB70DBA9567}" type="datetimeFigureOut">
               <a:rPr lang="en-US" dirty="0"/>
               <a:pPr/>
-              <a:t>5/27/2014</a:t>
+              <a:t>5/28/2014</a:t>
             </a:fld>
             <a:endParaRPr lang="en-US" dirty="0"/>
           </a:p>
@@ -5586,7 +5586,7 @@
             <a:fld id="{B61BEF0D-F0BB-DE4B-95CE-6DB70DBA9567}" type="datetimeFigureOut">
               <a:rPr lang="en-US" dirty="0"/>
               <a:pPr/>
-              <a:t>5/27/2014</a:t>
+              <a:t>5/28/2014</a:t>
             </a:fld>
             <a:endParaRPr lang="en-US" dirty="0"/>
           </a:p>
@@ -5678,7 +5678,7 @@
             <a:fld id="{B61BEF0D-F0BB-DE4B-95CE-6DB70DBA9567}" type="datetimeFigureOut">
               <a:rPr lang="en-US" dirty="0"/>
               <a:pPr/>
-              <a:t>5/27/2014</a:t>
+              <a:t>5/28/2014</a:t>
             </a:fld>
             <a:endParaRPr lang="en-US" dirty="0"/>
           </a:p>
@@ -5958,7 +5958,7 @@
             <a:fld id="{B61BEF0D-F0BB-DE4B-95CE-6DB70DBA9567}" type="datetimeFigureOut">
               <a:rPr lang="en-US" dirty="0"/>
               <a:pPr/>
-              <a:t>5/27/2014</a:t>
+              <a:t>5/28/2014</a:t>
             </a:fld>
             <a:endParaRPr lang="en-US" dirty="0"/>
           </a:p>
@@ -6246,7 +6246,7 @@
             <a:fld id="{B61BEF0D-F0BB-DE4B-95CE-6DB70DBA9567}" type="datetimeFigureOut">
               <a:rPr lang="en-US" dirty="0"/>
               <a:pPr/>
-              <a:t>5/27/2014</a:t>
+              <a:t>5/28/2014</a:t>
             </a:fld>
             <a:endParaRPr lang="en-US" dirty="0"/>
           </a:p>
@@ -6773,7 +6773,7 @@
             <a:fld id="{B61BEF0D-F0BB-DE4B-95CE-6DB70DBA9567}" type="datetimeFigureOut">
               <a:rPr lang="en-US" dirty="0"/>
               <a:pPr/>
-              <a:t>5/27/2014</a:t>
+              <a:t>5/28/2014</a:t>
             </a:fld>
             <a:endParaRPr lang="en-US" dirty="0"/>
           </a:p>
@@ -7394,7 +7394,7 @@
       </p:grpSpPr>
       <p:pic>
         <p:nvPicPr>
-          <p:cNvPr id="3" name="Inhaltsplatzhalter 2"/>
+          <p:cNvPr id="4" name="Inhaltsplatzhalter 3"/>
           <p:cNvPicPr>
             <a:picLocks noGrp="1" noChangeAspect="1"/>
           </p:cNvPicPr>
@@ -7416,8 +7416,8 @@
         </p:blipFill>
         <p:spPr>
           <a:xfrm>
-            <a:off x="3076869" y="550900"/>
-            <a:ext cx="8014205" cy="5756201"/>
+            <a:off x="3378200" y="406399"/>
+            <a:ext cx="8381999" cy="6020369"/>
           </a:xfrm>
         </p:spPr>
       </p:pic>
@@ -8127,7 +8127,7 @@
             <p:ph idx="1"/>
             <p:extLst>
               <p:ext uri="{D42A27DB-BD31-4B8C-83A1-F6EECF244321}">
-                <p14:modId xmlns:p14="http://schemas.microsoft.com/office/powerpoint/2010/main" val="1408760135"/>
+                <p14:modId xmlns:p14="http://schemas.microsoft.com/office/powerpoint/2010/main" val="4031382958"/>
               </p:ext>
             </p:extLst>
           </p:nvPr>
@@ -8352,7 +8352,7 @@
                     <a:p>
                       <a:r>
                         <a:rPr lang="en-GB" noProof="0" dirty="0" smtClean="0"/>
-                        <a:t>Normalizer</a:t>
+                        <a:t>Throttle</a:t>
                       </a:r>
                       <a:endParaRPr lang="en-GB" noProof="0" dirty="0"/>
                     </a:p>
@@ -8560,54 +8560,6 @@
       </p:pic>
       <p:pic>
         <p:nvPicPr>
-          <p:cNvPr id="10" name="Grafik 9"/>
-          <p:cNvPicPr>
-            <a:picLocks noChangeAspect="1"/>
-          </p:cNvPicPr>
-          <p:nvPr/>
-        </p:nvPicPr>
-        <p:blipFill>
-          <a:blip r:embed="rId3"/>
-          <a:stretch>
-            <a:fillRect/>
-          </a:stretch>
-        </p:blipFill>
-        <p:spPr>
-          <a:xfrm>
-            <a:off x="8469054" y="3141701"/>
-            <a:ext cx="248400" cy="248400"/>
-          </a:xfrm>
-          <a:prstGeom prst="rect">
-            <a:avLst/>
-          </a:prstGeom>
-        </p:spPr>
-      </p:pic>
-      <p:pic>
-        <p:nvPicPr>
-          <p:cNvPr id="11" name="Grafik 10"/>
-          <p:cNvPicPr>
-            <a:picLocks noChangeAspect="1"/>
-          </p:cNvPicPr>
-          <p:nvPr/>
-        </p:nvPicPr>
-        <p:blipFill>
-          <a:blip r:embed="rId3"/>
-          <a:stretch>
-            <a:fillRect/>
-          </a:stretch>
-        </p:blipFill>
-        <p:spPr>
-          <a:xfrm>
-            <a:off x="8469054" y="3495947"/>
-            <a:ext cx="248400" cy="248400"/>
-          </a:xfrm>
-          <a:prstGeom prst="rect">
-            <a:avLst/>
-          </a:prstGeom>
-        </p:spPr>
-      </p:pic>
-      <p:pic>
-        <p:nvPicPr>
           <p:cNvPr id="15" name="Grafik 14"/>
           <p:cNvPicPr>
             <a:picLocks noChangeAspect="1"/>
@@ -8982,6 +8934,88 @@
           </a:extLst>
         </p:spPr>
       </p:pic>
+      <p:pic>
+        <p:nvPicPr>
+          <p:cNvPr id="17" name="Picture 2" descr="http://vitamin-c.vitamin-power.eu/assets/images/Gruener-Haken.jpg"/>
+          <p:cNvPicPr>
+            <a:picLocks noChangeAspect="1" noChangeArrowheads="1"/>
+          </p:cNvPicPr>
+          <p:nvPr/>
+        </p:nvPicPr>
+        <p:blipFill>
+          <a:blip r:embed="rId4">
+            <a:extLst>
+              <a:ext uri="{28A0092B-C50C-407E-A947-70E740481C1C}">
+                <a14:useLocalDpi xmlns:a14="http://schemas.microsoft.com/office/drawing/2010/main" val="0"/>
+              </a:ext>
+            </a:extLst>
+          </a:blip>
+          <a:srcRect/>
+          <a:stretch>
+            <a:fillRect/>
+          </a:stretch>
+        </p:blipFill>
+        <p:spPr bwMode="auto">
+          <a:xfrm>
+            <a:off x="8468131" y="3123902"/>
+            <a:ext cx="246554" cy="246554"/>
+          </a:xfrm>
+          <a:prstGeom prst="rect">
+            <a:avLst/>
+          </a:prstGeom>
+          <a:noFill/>
+          <a:extLst>
+            <a:ext uri="{909E8E84-426E-40DD-AFC4-6F175D3DCCD1}">
+              <a14:hiddenFill xmlns:a14="http://schemas.microsoft.com/office/drawing/2010/main">
+                <a:solidFill>
+                  <a:srgbClr val="FFFFFF"/>
+                </a:solidFill>
+              </a14:hiddenFill>
+            </a:ext>
+          </a:extLst>
+        </p:spPr>
+      </p:pic>
+      <p:pic>
+        <p:nvPicPr>
+          <p:cNvPr id="19" name="Picture 2" descr="http://vitamin-c.vitamin-power.eu/assets/images/Gruener-Haken.jpg"/>
+          <p:cNvPicPr>
+            <a:picLocks noChangeAspect="1" noChangeArrowheads="1"/>
+          </p:cNvPicPr>
+          <p:nvPr/>
+        </p:nvPicPr>
+        <p:blipFill>
+          <a:blip r:embed="rId4">
+            <a:extLst>
+              <a:ext uri="{28A0092B-C50C-407E-A947-70E740481C1C}">
+                <a14:useLocalDpi xmlns:a14="http://schemas.microsoft.com/office/drawing/2010/main" val="0"/>
+              </a:ext>
+            </a:extLst>
+          </a:blip>
+          <a:srcRect/>
+          <a:stretch>
+            <a:fillRect/>
+          </a:stretch>
+        </p:blipFill>
+        <p:spPr bwMode="auto">
+          <a:xfrm>
+            <a:off x="8468131" y="3486072"/>
+            <a:ext cx="246554" cy="246554"/>
+          </a:xfrm>
+          <a:prstGeom prst="rect">
+            <a:avLst/>
+          </a:prstGeom>
+          <a:noFill/>
+          <a:extLst>
+            <a:ext uri="{909E8E84-426E-40DD-AFC4-6F175D3DCCD1}">
+              <a14:hiddenFill xmlns:a14="http://schemas.microsoft.com/office/drawing/2010/main">
+                <a:solidFill>
+                  <a:srgbClr val="FFFFFF"/>
+                </a:solidFill>
+              </a14:hiddenFill>
+            </a:ext>
+          </a:extLst>
+        </p:spPr>
+      </p:pic>
     </p:spTree>
     <p:extLst>
       <p:ext uri="{BB962C8B-B14F-4D97-AF65-F5344CB8AC3E}">
@@ -9063,7 +9097,7 @@
       </p:sp>
       <p:pic>
         <p:nvPicPr>
-          <p:cNvPr id="4" name="Grafik 3"/>
+          <p:cNvPr id="5" name="Grafik 4"/>
           <p:cNvPicPr>
             <a:picLocks noChangeAspect="1"/>
           </p:cNvPicPr>
@@ -9071,13 +9105,13 @@
         </p:nvPicPr>
         <p:blipFill rotWithShape="1">
           <a:blip r:embed="rId3"/>
-          <a:srcRect l="25917" t="32666" r="37416" b="26296"/>
+          <a:srcRect l="23889" t="32593" r="37847" b="25309"/>
           <a:stretch/>
         </p:blipFill>
         <p:spPr>
           <a:xfrm>
-            <a:off x="3140866" y="2118359"/>
-            <a:ext cx="6705600" cy="4221480"/>
+            <a:off x="2994816" y="2063749"/>
+            <a:ext cx="6997700" cy="4330700"/>
           </a:xfrm>
           <a:prstGeom prst="roundRect">
             <a:avLst>
@@ -9097,6 +9131,49 @@
           </a:effectLst>
         </p:spPr>
       </p:pic>
+      <p:sp>
+        <p:nvSpPr>
+          <p:cNvPr id="6" name="Rechteck 5"/>
+          <p:cNvSpPr/>
+          <p:nvPr/>
+        </p:nvSpPr>
+        <p:spPr>
+          <a:xfrm>
+            <a:off x="4191000" y="2438399"/>
+            <a:ext cx="927100" cy="228600"/>
+          </a:xfrm>
+          <a:prstGeom prst="rect">
+            <a:avLst/>
+          </a:prstGeom>
+          <a:ln>
+            <a:solidFill>
+              <a:schemeClr val="bg1"/>
+            </a:solidFill>
+          </a:ln>
+        </p:spPr>
+        <p:style>
+          <a:lnRef idx="2">
+            <a:schemeClr val="dk1"/>
+          </a:lnRef>
+          <a:fillRef idx="1">
+            <a:schemeClr val="lt1"/>
+          </a:fillRef>
+          <a:effectRef idx="0">
+            <a:schemeClr val="dk1"/>
+          </a:effectRef>
+          <a:fontRef idx="minor">
+            <a:schemeClr val="dk1"/>
+          </a:fontRef>
+        </p:style>
+        <p:txBody>
+          <a:bodyPr rtlCol="0" anchor="ctr"/>
+          <a:lstStyle/>
+          <a:p>
+            <a:pPr algn="ctr"/>
+            <a:endParaRPr lang="de-AT"/>
+          </a:p>
+        </p:txBody>
+      </p:sp>
     </p:spTree>
     <p:extLst>
       <p:ext uri="{BB962C8B-B14F-4D97-AF65-F5344CB8AC3E}">
